--- a/study2.pptx
+++ b/study2.pptx
@@ -7,7 +7,8 @@
   <p:sldIdLst>
     <p:sldId id="256" r:id="rId2"/>
     <p:sldId id="258" r:id="rId3"/>
-    <p:sldId id="257" r:id="rId4"/>
+    <p:sldId id="259" r:id="rId4"/>
+    <p:sldId id="257" r:id="rId5"/>
   </p:sldIdLst>
   <p:sldSz cx="12192000" cy="6858000"/>
   <p:notesSz cx="6858000" cy="9144000"/>
@@ -13306,7 +13307,7 @@
             </a:r>
             <a:r>
               <a:rPr lang="fr-FR" sz="1600" dirty="0"/>
-              <a:t> (</a:t>
+              <a:t>/information (</a:t>
             </a:r>
             <a:r>
               <a:rPr lang="fr-FR" sz="1600" dirty="0" err="1"/>
@@ -13688,7 +13689,31 @@
             </a:r>
             <a:r>
               <a:rPr lang="fr-FR" sz="1600" u="sng" dirty="0"/>
-              <a:t> 5 seconds.</a:t>
+              <a:t> 5 seconds (</a:t>
+            </a:r>
+            <a:r>
+              <a:rPr lang="fr-FR" sz="1600" u="sng" dirty="0" err="1"/>
+              <a:t>visual</a:t>
+            </a:r>
+            <a:r>
+              <a:rPr lang="fr-FR" sz="1600" u="sng" dirty="0"/>
+              <a:t> </a:t>
+            </a:r>
+            <a:r>
+              <a:rPr lang="fr-FR" sz="1600" u="sng" dirty="0" err="1"/>
+              <a:t>feature</a:t>
+            </a:r>
+            <a:r>
+              <a:rPr lang="fr-FR" sz="1600" u="sng" dirty="0"/>
+              <a:t> </a:t>
+            </a:r>
+            <a:r>
+              <a:rPr lang="fr-FR" sz="1600" u="sng" dirty="0" err="1"/>
+              <a:t>search</a:t>
+            </a:r>
+            <a:r>
+              <a:rPr lang="fr-FR" sz="1600" u="sng" dirty="0"/>
+              <a:t>!)</a:t>
             </a:r>
           </a:p>
           <a:p>
@@ -13927,15 +13952,7 @@
             </a:pPr>
             <a:r>
               <a:rPr lang="fr-FR" sz="1600" dirty="0"/>
-              <a:t>En </a:t>
-            </a:r>
-            <a:r>
-              <a:rPr lang="fr-FR" sz="1600" dirty="0" err="1"/>
-              <a:t>injsécurité</a:t>
-            </a:r>
-            <a:r>
-              <a:rPr lang="fr-FR" sz="1600" dirty="0"/>
-              <a:t>/sécurité</a:t>
+              <a:t>En insécurité/sécurité</a:t>
             </a:r>
           </a:p>
           <a:p>
@@ -14259,6 +14276,731 @@
 </file>
 
 <file path=ppt/slides/slide3.xml><?xml version="1.0" encoding="utf-8"?>
+<p:sld xmlns:a="http://schemas.openxmlformats.org/drawingml/2006/main" xmlns:r="http://schemas.openxmlformats.org/officeDocument/2006/relationships" xmlns:p="http://schemas.openxmlformats.org/presentationml/2006/main">
+  <p:cSld>
+    <p:spTree>
+      <p:nvGrpSpPr>
+        <p:cNvPr id="1" name=""/>
+        <p:cNvGrpSpPr/>
+        <p:nvPr/>
+      </p:nvGrpSpPr>
+      <p:grpSpPr>
+        <a:xfrm>
+          <a:off x="0" y="0"/>
+          <a:ext cx="0" cy="0"/>
+          <a:chOff x="0" y="0"/>
+          <a:chExt cx="0" cy="0"/>
+        </a:xfrm>
+      </p:grpSpPr>
+      <p:sp>
+        <p:nvSpPr>
+          <p:cNvPr id="178" name="ZoneTexte 177">
+            <a:extLst>
+              <a:ext uri="{FF2B5EF4-FFF2-40B4-BE49-F238E27FC236}">
+                <a16:creationId xmlns:a16="http://schemas.microsoft.com/office/drawing/2014/main" id="{9EE7C203-3FFF-4CD1-A84A-1FC307E12E71}"/>
+              </a:ext>
+            </a:extLst>
+          </p:cNvPr>
+          <p:cNvSpPr txBox="1"/>
+          <p:nvPr/>
+        </p:nvSpPr>
+        <p:spPr>
+          <a:xfrm>
+            <a:off x="81279" y="135791"/>
+            <a:ext cx="12009121" cy="2554545"/>
+          </a:xfrm>
+          <a:prstGeom prst="rect">
+            <a:avLst/>
+          </a:prstGeom>
+          <a:noFill/>
+        </p:spPr>
+        <p:txBody>
+          <a:bodyPr wrap="square" rtlCol="0">
+            <a:spAutoFit/>
+          </a:bodyPr>
+          <a:lstStyle/>
+          <a:p>
+            <a:r>
+              <a:rPr lang="fr-FR" sz="1600" b="1" dirty="0"/>
+              <a:t>Latin: </a:t>
+            </a:r>
+          </a:p>
+          <a:p>
+            <a:pPr marL="800100" lvl="1" indent="-342900">
+              <a:buFont typeface="+mj-lt"/>
+              <a:buAutoNum type="arabicPeriod"/>
+            </a:pPr>
+            <a:r>
+              <a:rPr lang="fr-FR" sz="1600" b="1" dirty="0"/>
+              <a:t>S0</a:t>
+            </a:r>
+            <a:r>
+              <a:rPr lang="fr-FR" sz="1600" dirty="0"/>
+              <a:t> </a:t>
+            </a:r>
+            <a:r>
+              <a:rPr lang="fr-FR" sz="1600" b="1" dirty="0"/>
+              <a:t>– </a:t>
+            </a:r>
+            <a:r>
+              <a:rPr lang="fr-FR" sz="1600" dirty="0"/>
+              <a:t>System moves </a:t>
+            </a:r>
+            <a:r>
+              <a:rPr lang="fr-FR" sz="1600" dirty="0" err="1"/>
+              <a:t>two</a:t>
+            </a:r>
+            <a:r>
+              <a:rPr lang="fr-FR" sz="1600" dirty="0"/>
+              <a:t> pins </a:t>
+            </a:r>
+            <a:r>
+              <a:rPr lang="fr-FR" sz="1600" dirty="0" err="1"/>
+              <a:t>with</a:t>
+            </a:r>
+            <a:r>
+              <a:rPr lang="fr-FR" sz="1600" dirty="0"/>
+              <a:t> an </a:t>
+            </a:r>
+            <a:r>
+              <a:rPr lang="fr-FR" sz="1600" dirty="0" err="1"/>
+              <a:t>icon</a:t>
+            </a:r>
+            <a:r>
+              <a:rPr lang="fr-FR" sz="1600" dirty="0"/>
+              <a:t> on </a:t>
+            </a:r>
+            <a:r>
+              <a:rPr lang="fr-FR" sz="1600" dirty="0" err="1"/>
+              <a:t>them</a:t>
+            </a:r>
+            <a:r>
+              <a:rPr lang="fr-FR" sz="1600" dirty="0"/>
+              <a:t>.</a:t>
+            </a:r>
+          </a:p>
+          <a:p>
+            <a:pPr marL="800100" lvl="1" indent="-342900">
+              <a:buFont typeface="+mj-lt"/>
+              <a:buAutoNum type="arabicPeriod"/>
+            </a:pPr>
+            <a:r>
+              <a:rPr lang="fr-FR" sz="1600" b="1" dirty="0"/>
+              <a:t>U0 – </a:t>
+            </a:r>
+            <a:r>
+              <a:rPr lang="fr-FR" sz="1600" dirty="0"/>
+              <a:t>User </a:t>
+            </a:r>
+            <a:r>
+              <a:rPr lang="fr-FR" sz="1600" dirty="0" err="1"/>
+              <a:t>rotates</a:t>
+            </a:r>
+            <a:r>
+              <a:rPr lang="fr-FR" sz="1600" dirty="0"/>
+              <a:t> the </a:t>
+            </a:r>
+            <a:r>
+              <a:rPr lang="fr-FR" sz="1600" dirty="0" err="1"/>
+              <a:t>highest</a:t>
+            </a:r>
+            <a:r>
+              <a:rPr lang="fr-FR" sz="1600" dirty="0"/>
+              <a:t> pin </a:t>
+            </a:r>
+            <a:r>
+              <a:rPr lang="fr-FR" sz="1600" u="sng" dirty="0" err="1"/>
+              <a:t>before</a:t>
+            </a:r>
+            <a:r>
+              <a:rPr lang="fr-FR" sz="1600" u="sng" dirty="0"/>
+              <a:t> 5 seconds (</a:t>
+            </a:r>
+            <a:r>
+              <a:rPr lang="fr-FR" sz="1600" u="sng" dirty="0" err="1"/>
+              <a:t>visual</a:t>
+            </a:r>
+            <a:r>
+              <a:rPr lang="fr-FR" sz="1600" u="sng" dirty="0"/>
+              <a:t> </a:t>
+            </a:r>
+            <a:r>
+              <a:rPr lang="fr-FR" sz="1600" u="sng" dirty="0" err="1"/>
+              <a:t>feature</a:t>
+            </a:r>
+            <a:r>
+              <a:rPr lang="fr-FR" sz="1600" u="sng" dirty="0"/>
+              <a:t> </a:t>
+            </a:r>
+            <a:r>
+              <a:rPr lang="fr-FR" sz="1600" u="sng" dirty="0" err="1"/>
+              <a:t>search</a:t>
+            </a:r>
+            <a:r>
+              <a:rPr lang="fr-FR" sz="1600" u="sng" dirty="0"/>
+              <a:t>!)</a:t>
+            </a:r>
+          </a:p>
+          <a:p>
+            <a:pPr marL="800100" lvl="1" indent="-342900">
+              <a:buFont typeface="+mj-lt"/>
+              <a:buAutoNum type="arabicPeriod"/>
+            </a:pPr>
+            <a:r>
+              <a:rPr lang="fr-FR" sz="1600" u="sng" dirty="0" err="1"/>
+              <a:t>Repeat</a:t>
+            </a:r>
+            <a:endParaRPr lang="fr-FR" sz="1600" u="sng" dirty="0"/>
+          </a:p>
+          <a:p>
+            <a:r>
+              <a:rPr lang="fr-FR" sz="1600" b="1" dirty="0" err="1"/>
+              <a:t>Apparatus</a:t>
+            </a:r>
+            <a:r>
+              <a:rPr lang="fr-FR" sz="1600" b="1" dirty="0"/>
+              <a:t>:</a:t>
+            </a:r>
+          </a:p>
+          <a:p>
+            <a:pPr marL="800100" lvl="1" indent="-342900">
+              <a:buFont typeface="+mj-lt"/>
+              <a:buAutoNum type="arabicPeriod"/>
+            </a:pPr>
+            <a:r>
+              <a:rPr lang="fr-FR" sz="1600" dirty="0" err="1"/>
+              <a:t>Random</a:t>
+            </a:r>
+            <a:r>
+              <a:rPr lang="fr-FR" sz="1600" dirty="0"/>
+              <a:t> </a:t>
+            </a:r>
+            <a:r>
+              <a:rPr lang="fr-FR" sz="1600" dirty="0" err="1"/>
+              <a:t>color</a:t>
+            </a:r>
+            <a:r>
+              <a:rPr lang="fr-FR" sz="1600" dirty="0"/>
+              <a:t> and </a:t>
+            </a:r>
+            <a:r>
+              <a:rPr lang="fr-FR" sz="1600" dirty="0" err="1"/>
+              <a:t>icon</a:t>
+            </a:r>
+            <a:r>
+              <a:rPr lang="fr-FR" sz="1600" dirty="0"/>
+              <a:t> ?</a:t>
+            </a:r>
+          </a:p>
+          <a:p>
+            <a:r>
+              <a:rPr lang="fr-FR" sz="1600" b="1" dirty="0" err="1"/>
+              <a:t>Factors</a:t>
+            </a:r>
+            <a:r>
+              <a:rPr lang="fr-FR" sz="1600" b="1" dirty="0"/>
+              <a:t>: </a:t>
+            </a:r>
+          </a:p>
+          <a:p>
+            <a:pPr marL="800100" lvl="1" indent="-342900">
+              <a:buFont typeface="+mj-lt"/>
+              <a:buAutoNum type="arabicPeriod"/>
+            </a:pPr>
+            <a:r>
+              <a:rPr lang="fr-FR" sz="1600" b="1" dirty="0"/>
+              <a:t>Overlay – </a:t>
+            </a:r>
+            <a:r>
+              <a:rPr lang="fr-FR" sz="1600" dirty="0"/>
+              <a:t>Edge/Surface/Hull/Zone</a:t>
+            </a:r>
+          </a:p>
+          <a:p>
+            <a:pPr marL="800100" lvl="1" indent="-342900">
+              <a:buFont typeface="+mj-lt"/>
+              <a:buAutoNum type="arabicPeriod"/>
+            </a:pPr>
+            <a:r>
+              <a:rPr lang="fr-FR" sz="1600" b="1" dirty="0"/>
+              <a:t>Configuration – </a:t>
+            </a:r>
+            <a:r>
+              <a:rPr lang="fr-FR" sz="1600" dirty="0"/>
+              <a:t>no </a:t>
+            </a:r>
+            <a:r>
+              <a:rPr lang="fr-FR" sz="1600" dirty="0" err="1"/>
+              <a:t>icon</a:t>
+            </a:r>
+            <a:r>
+              <a:rPr lang="fr-FR" sz="1600" dirty="0"/>
+              <a:t> </a:t>
+            </a:r>
+            <a:r>
+              <a:rPr lang="fr-FR" sz="1600" dirty="0" err="1"/>
+              <a:t>under</a:t>
+            </a:r>
+            <a:r>
+              <a:rPr lang="fr-FR" sz="1600" dirty="0"/>
+              <a:t>, one </a:t>
+            </a:r>
+            <a:r>
+              <a:rPr lang="fr-FR" sz="1600" dirty="0" err="1"/>
+              <a:t>icon</a:t>
+            </a:r>
+            <a:r>
+              <a:rPr lang="fr-FR" sz="1600" dirty="0"/>
+              <a:t> </a:t>
+            </a:r>
+            <a:r>
+              <a:rPr lang="fr-FR" sz="1600" dirty="0" err="1"/>
+              <a:t>under</a:t>
+            </a:r>
+            <a:r>
+              <a:rPr lang="fr-FR" sz="1600" dirty="0"/>
+              <a:t>, </a:t>
+            </a:r>
+            <a:r>
+              <a:rPr lang="fr-FR" sz="1600" dirty="0" err="1"/>
+              <a:t>two</a:t>
+            </a:r>
+            <a:r>
+              <a:rPr lang="fr-FR" sz="1600" dirty="0"/>
+              <a:t> </a:t>
+            </a:r>
+            <a:r>
+              <a:rPr lang="fr-FR" sz="1600" dirty="0" err="1"/>
+              <a:t>icons</a:t>
+            </a:r>
+            <a:r>
+              <a:rPr lang="fr-FR" sz="1600" dirty="0"/>
+              <a:t> </a:t>
+            </a:r>
+            <a:r>
+              <a:rPr lang="fr-FR" sz="1600" dirty="0" err="1"/>
+              <a:t>under</a:t>
+            </a:r>
+            <a:endParaRPr lang="fr-FR" sz="1600" dirty="0"/>
+          </a:p>
+          <a:p>
+            <a:pPr marL="800100" lvl="1" indent="-342900">
+              <a:buFont typeface="+mj-lt"/>
+              <a:buAutoNum type="arabicPeriod"/>
+            </a:pPr>
+            <a:r>
+              <a:rPr lang="fr-FR" sz="1600" dirty="0" err="1"/>
+              <a:t>Repeat</a:t>
+            </a:r>
+            <a:r>
+              <a:rPr lang="fr-FR" sz="1600" dirty="0"/>
+              <a:t> x 3</a:t>
+            </a:r>
+          </a:p>
+        </p:txBody>
+      </p:sp>
+      <p:sp>
+        <p:nvSpPr>
+          <p:cNvPr id="2" name="Rectangle 1">
+            <a:extLst>
+              <a:ext uri="{FF2B5EF4-FFF2-40B4-BE49-F238E27FC236}">
+                <a16:creationId xmlns:a16="http://schemas.microsoft.com/office/drawing/2014/main" id="{5D4DC229-B68D-48FE-A0AC-9380A9DE7751}"/>
+              </a:ext>
+            </a:extLst>
+          </p:cNvPr>
+          <p:cNvSpPr/>
+          <p:nvPr/>
+        </p:nvSpPr>
+        <p:spPr>
+          <a:xfrm>
+            <a:off x="81279" y="2802731"/>
+            <a:ext cx="5069840" cy="2308324"/>
+          </a:xfrm>
+          <a:prstGeom prst="rect">
+            <a:avLst/>
+          </a:prstGeom>
+        </p:spPr>
+        <p:txBody>
+          <a:bodyPr wrap="square">
+            <a:spAutoFit/>
+          </a:bodyPr>
+          <a:lstStyle/>
+          <a:p>
+            <a:pPr lvl="1"/>
+            <a:r>
+              <a:rPr lang="fr-FR" sz="1600" b="1" dirty="0"/>
+              <a:t>Stress and Charge de travail</a:t>
+            </a:r>
+          </a:p>
+          <a:p>
+            <a:pPr marL="1257300" lvl="2" indent="-342900">
+              <a:buFont typeface="+mj-lt"/>
+              <a:buAutoNum type="arabicPeriod"/>
+            </a:pPr>
+            <a:r>
+              <a:rPr lang="fr-FR" sz="1600" dirty="0"/>
+              <a:t>[Quanti] </a:t>
+            </a:r>
+            <a:r>
+              <a:rPr lang="fr-FR" sz="1600" dirty="0" err="1"/>
+              <a:t>Measured</a:t>
+            </a:r>
+            <a:r>
+              <a:rPr lang="fr-FR" sz="1600" dirty="0"/>
+              <a:t> TEMP, BVP, etc.</a:t>
+            </a:r>
+          </a:p>
+          <a:p>
+            <a:pPr marL="1257300" lvl="2" indent="-342900">
+              <a:buFont typeface="+mj-lt"/>
+              <a:buAutoNum type="arabicPeriod"/>
+            </a:pPr>
+            <a:r>
+              <a:rPr lang="fr-FR" sz="1600" dirty="0"/>
+              <a:t>[Quali] NASA-TLX</a:t>
+            </a:r>
+          </a:p>
+          <a:p>
+            <a:pPr marL="1257300" lvl="2" indent="-342900">
+              <a:buFont typeface="+mj-lt"/>
+              <a:buAutoNum type="arabicPeriod"/>
+            </a:pPr>
+            <a:r>
+              <a:rPr lang="fr-FR" sz="1600" dirty="0"/>
+              <a:t>Avec ce claque de sécurité, je me suis senti…</a:t>
+            </a:r>
+          </a:p>
+          <a:p>
+            <a:pPr marL="1714500" lvl="3" indent="-342900">
+              <a:buFont typeface="Arial" panose="020B0604020202020204" pitchFamily="34" charset="0"/>
+              <a:buChar char="•"/>
+            </a:pPr>
+            <a:r>
+              <a:rPr lang="fr-FR" sz="1600" dirty="0"/>
+              <a:t>En insécurité/sécurité</a:t>
+            </a:r>
+          </a:p>
+          <a:p>
+            <a:pPr marL="1714500" lvl="3" indent="-342900">
+              <a:buFont typeface="Arial" panose="020B0604020202020204" pitchFamily="34" charset="0"/>
+              <a:buChar char="•"/>
+            </a:pPr>
+            <a:r>
+              <a:rPr lang="fr-FR" sz="1600" dirty="0"/>
+              <a:t>Stressé/relaxé</a:t>
+            </a:r>
+          </a:p>
+          <a:p>
+            <a:pPr marL="1714500" lvl="3" indent="-342900">
+              <a:buFont typeface="Arial" panose="020B0604020202020204" pitchFamily="34" charset="0"/>
+              <a:buChar char="•"/>
+            </a:pPr>
+            <a:r>
+              <a:rPr lang="fr-FR" sz="1600" b="1" dirty="0" err="1"/>
+              <a:t>Incomfortable</a:t>
+            </a:r>
+            <a:r>
+              <a:rPr lang="fr-FR" sz="1600" b="1" dirty="0"/>
+              <a:t>/</a:t>
+            </a:r>
+            <a:r>
+              <a:rPr lang="fr-FR" sz="1600" b="1" dirty="0" err="1"/>
+              <a:t>Comfortable</a:t>
+            </a:r>
+            <a:endParaRPr lang="fr-FR" sz="1600" b="1" dirty="0"/>
+          </a:p>
+          <a:p>
+            <a:pPr marL="1714500" lvl="3" indent="-342900">
+              <a:buFont typeface="Arial" panose="020B0604020202020204" pitchFamily="34" charset="0"/>
+              <a:buChar char="•"/>
+            </a:pPr>
+            <a:r>
+              <a:rPr lang="fr-FR" sz="1600" dirty="0"/>
+              <a:t>En manque de contrôle/En contrôle</a:t>
+            </a:r>
+          </a:p>
+        </p:txBody>
+      </p:sp>
+      <p:sp>
+        <p:nvSpPr>
+          <p:cNvPr id="3" name="Rectangle 2">
+            <a:extLst>
+              <a:ext uri="{FF2B5EF4-FFF2-40B4-BE49-F238E27FC236}">
+                <a16:creationId xmlns:a16="http://schemas.microsoft.com/office/drawing/2014/main" id="{E343BFAF-316A-4DCE-8E1D-C32A72D5FECD}"/>
+              </a:ext>
+            </a:extLst>
+          </p:cNvPr>
+          <p:cNvSpPr/>
+          <p:nvPr/>
+        </p:nvSpPr>
+        <p:spPr>
+          <a:xfrm>
+            <a:off x="0" y="5111055"/>
+            <a:ext cx="5994400" cy="1077218"/>
+          </a:xfrm>
+          <a:prstGeom prst="rect">
+            <a:avLst/>
+          </a:prstGeom>
+        </p:spPr>
+        <p:txBody>
+          <a:bodyPr wrap="square">
+            <a:spAutoFit/>
+          </a:bodyPr>
+          <a:lstStyle/>
+          <a:p>
+            <a:pPr lvl="1"/>
+            <a:r>
+              <a:rPr lang="fr-FR" sz="1600" b="1" dirty="0"/>
+              <a:t>Performance </a:t>
+            </a:r>
+            <a:endParaRPr lang="fr-FR" sz="1600" dirty="0"/>
+          </a:p>
+          <a:p>
+            <a:pPr marL="1257300" lvl="2" indent="-342900">
+              <a:buFont typeface="+mj-lt"/>
+              <a:buAutoNum type="arabicPeriod"/>
+            </a:pPr>
+            <a:r>
+              <a:rPr lang="fr-FR" sz="1600" dirty="0"/>
+              <a:t>[Quanti] </a:t>
+            </a:r>
+            <a:r>
+              <a:rPr lang="fr-FR" sz="1600" dirty="0" err="1"/>
+              <a:t>Task</a:t>
+            </a:r>
+            <a:r>
+              <a:rPr lang="fr-FR" sz="1600" dirty="0"/>
+              <a:t> </a:t>
+            </a:r>
+            <a:r>
+              <a:rPr lang="fr-FR" sz="1600" dirty="0" err="1"/>
+              <a:t>Completion</a:t>
+            </a:r>
+            <a:r>
+              <a:rPr lang="fr-FR" sz="1600" dirty="0"/>
+              <a:t> Time and </a:t>
+            </a:r>
+            <a:r>
+              <a:rPr lang="fr-FR" sz="1600" dirty="0" err="1"/>
+              <a:t>Task</a:t>
+            </a:r>
+            <a:r>
+              <a:rPr lang="fr-FR" sz="1600" dirty="0"/>
+              <a:t> </a:t>
+            </a:r>
+            <a:r>
+              <a:rPr lang="fr-FR" sz="1600" dirty="0" err="1"/>
+              <a:t>Error</a:t>
+            </a:r>
+            <a:r>
+              <a:rPr lang="fr-FR" sz="1600" dirty="0"/>
+              <a:t> Rate </a:t>
+            </a:r>
+          </a:p>
+          <a:p>
+            <a:pPr marL="1257300" lvl="2" indent="-342900">
+              <a:buFont typeface="+mj-lt"/>
+              <a:buAutoNum type="arabicPeriod"/>
+            </a:pPr>
+            <a:r>
+              <a:rPr lang="fr-FR" sz="1600" dirty="0"/>
+              <a:t>[Quali] NASA-TLX</a:t>
+            </a:r>
+          </a:p>
+          <a:p>
+            <a:pPr marL="1257300" lvl="2" indent="-342900">
+              <a:buFont typeface="+mj-lt"/>
+              <a:buAutoNum type="arabicPeriod"/>
+            </a:pPr>
+            <a:r>
+              <a:rPr lang="fr-FR" sz="1600" dirty="0"/>
+              <a:t>Questionnaire</a:t>
+            </a:r>
+          </a:p>
+        </p:txBody>
+      </p:sp>
+      <p:sp>
+        <p:nvSpPr>
+          <p:cNvPr id="9" name="Rectangle 8">
+            <a:extLst>
+              <a:ext uri="{FF2B5EF4-FFF2-40B4-BE49-F238E27FC236}">
+                <a16:creationId xmlns:a16="http://schemas.microsoft.com/office/drawing/2014/main" id="{4760A414-4504-4351-A862-2A22C930ABBF}"/>
+              </a:ext>
+            </a:extLst>
+          </p:cNvPr>
+          <p:cNvSpPr/>
+          <p:nvPr/>
+        </p:nvSpPr>
+        <p:spPr>
+          <a:xfrm>
+            <a:off x="6085840" y="248186"/>
+            <a:ext cx="6096000" cy="2554545"/>
+          </a:xfrm>
+          <a:prstGeom prst="rect">
+            <a:avLst/>
+          </a:prstGeom>
+        </p:spPr>
+        <p:txBody>
+          <a:bodyPr>
+            <a:spAutoFit/>
+          </a:bodyPr>
+          <a:lstStyle/>
+          <a:p>
+            <a:r>
+              <a:rPr lang="fr-FR" sz="1600" b="1" dirty="0"/>
+              <a:t>Visibilité et Occupation de l’espace</a:t>
+            </a:r>
+          </a:p>
+          <a:p>
+            <a:pPr marL="342900" indent="-342900">
+              <a:buFont typeface="Arial" panose="020B0604020202020204" pitchFamily="34" charset="0"/>
+              <a:buChar char="•"/>
+            </a:pPr>
+            <a:r>
+              <a:rPr lang="fr-FR" sz="1600" dirty="0"/>
+              <a:t>Ce claque de sécurité était facile à détecter/voir.</a:t>
+            </a:r>
+          </a:p>
+          <a:p>
+            <a:pPr marL="342900" indent="-342900">
+              <a:buFont typeface="Arial" panose="020B0604020202020204" pitchFamily="34" charset="0"/>
+              <a:buChar char="•"/>
+            </a:pPr>
+            <a:r>
+              <a:rPr lang="fr-FR" sz="1600" dirty="0"/>
+              <a:t>Ce claque de sécurité était difficile à détecter/voir.</a:t>
+            </a:r>
+          </a:p>
+          <a:p>
+            <a:pPr marL="342900" indent="-342900">
+              <a:buFont typeface="Arial" panose="020B0604020202020204" pitchFamily="34" charset="0"/>
+              <a:buChar char="•"/>
+            </a:pPr>
+            <a:r>
+              <a:rPr lang="fr-FR" sz="1600" dirty="0"/>
+              <a:t>Ce claque de sécurité était trop visible (trop imposant, trop de place prise).</a:t>
+            </a:r>
+          </a:p>
+          <a:p>
+            <a:pPr marL="342900" indent="-342900">
+              <a:buFont typeface="Arial" panose="020B0604020202020204" pitchFamily="34" charset="0"/>
+              <a:buChar char="•"/>
+            </a:pPr>
+            <a:r>
+              <a:rPr lang="fr-FR" sz="1600" dirty="0"/>
+              <a:t>Ce claque de sécurité n’était pas assez visible  (pas assez imposant, pas assez de place prise).</a:t>
+            </a:r>
+          </a:p>
+          <a:p>
+            <a:pPr marL="342900" indent="-342900">
+              <a:buFont typeface="Arial" panose="020B0604020202020204" pitchFamily="34" charset="0"/>
+              <a:buChar char="•"/>
+            </a:pPr>
+            <a:r>
+              <a:rPr lang="fr-FR" sz="1600" dirty="0"/>
+              <a:t>Ce calque de sécurité m’a ralenti dans ma tâche</a:t>
+            </a:r>
+          </a:p>
+          <a:p>
+            <a:pPr marL="342900" indent="-342900">
+              <a:buFont typeface="Arial" panose="020B0604020202020204" pitchFamily="34" charset="0"/>
+              <a:buChar char="•"/>
+            </a:pPr>
+            <a:r>
+              <a:rPr lang="fr-FR" sz="1600" dirty="0"/>
+              <a:t>Ce calque de sécurité m’a fait commettre des erreurs dans ma tâche</a:t>
+            </a:r>
+          </a:p>
+        </p:txBody>
+      </p:sp>
+      <p:sp>
+        <p:nvSpPr>
+          <p:cNvPr id="11" name="Rectangle 10">
+            <a:extLst>
+              <a:ext uri="{FF2B5EF4-FFF2-40B4-BE49-F238E27FC236}">
+                <a16:creationId xmlns:a16="http://schemas.microsoft.com/office/drawing/2014/main" id="{8DB08471-42F9-4D70-9F11-CA8FDC1A933F}"/>
+              </a:ext>
+            </a:extLst>
+          </p:cNvPr>
+          <p:cNvSpPr/>
+          <p:nvPr/>
+        </p:nvSpPr>
+        <p:spPr>
+          <a:xfrm>
+            <a:off x="6096000" y="2802731"/>
+            <a:ext cx="6096000" cy="2800767"/>
+          </a:xfrm>
+          <a:prstGeom prst="rect">
+            <a:avLst/>
+          </a:prstGeom>
+        </p:spPr>
+        <p:txBody>
+          <a:bodyPr>
+            <a:spAutoFit/>
+          </a:bodyPr>
+          <a:lstStyle/>
+          <a:p>
+            <a:r>
+              <a:rPr lang="fr-FR" sz="1600" b="1" dirty="0"/>
+              <a:t>Compréhension</a:t>
+            </a:r>
+          </a:p>
+          <a:p>
+            <a:pPr marL="342900" indent="-342900">
+              <a:buFont typeface="Arial" panose="020B0604020202020204" pitchFamily="34" charset="0"/>
+              <a:buChar char="•"/>
+            </a:pPr>
+            <a:r>
+              <a:rPr lang="fr-FR" sz="1600" dirty="0"/>
+              <a:t>Avec ce calque de sécurité, le mouvement des cylindres étaient prévisibles</a:t>
+            </a:r>
+          </a:p>
+          <a:p>
+            <a:pPr marL="342900" indent="-342900">
+              <a:buFont typeface="Arial" panose="020B0604020202020204" pitchFamily="34" charset="0"/>
+              <a:buChar char="•"/>
+            </a:pPr>
+            <a:r>
+              <a:rPr lang="fr-FR" sz="1600" dirty="0"/>
+              <a:t>Avec ce claque de sécurité, j'avais conscience des cylindres mis en pause.</a:t>
+            </a:r>
+          </a:p>
+          <a:p>
+            <a:pPr marL="342900" indent="-342900">
+              <a:buFont typeface="Arial" panose="020B0604020202020204" pitchFamily="34" charset="0"/>
+              <a:buChar char="•"/>
+            </a:pPr>
+            <a:r>
+              <a:rPr lang="fr-FR" sz="1600" dirty="0"/>
+              <a:t>Avec ce claque de sécurité, j'avais conscience des cylindres mis en pause et de la direction qu'ils aillaient suivre (p.ex., tel cylindre va monter, tel autre cylindre va descendre).</a:t>
+            </a:r>
+          </a:p>
+          <a:p>
+            <a:pPr marL="342900" indent="-342900">
+              <a:buFont typeface="Arial" panose="020B0604020202020204" pitchFamily="34" charset="0"/>
+              <a:buChar char="•"/>
+            </a:pPr>
+            <a:r>
+              <a:rPr lang="fr-FR" sz="1600" dirty="0"/>
+              <a:t>Avec ce claque de sécurité, j'avais conscience des cylindres mis en pause et de la direction et de l'amplitude qu'ils aillaient suivre (p.ex., tel cylindre va monter plus haut que tel autre cylindre).</a:t>
+            </a:r>
+          </a:p>
+        </p:txBody>
+      </p:sp>
+    </p:spTree>
+    <p:extLst>
+      <p:ext uri="{BB962C8B-B14F-4D97-AF65-F5344CB8AC3E}">
+        <p14:creationId xmlns:p14="http://schemas.microsoft.com/office/powerpoint/2010/main" val="886071047"/>
+      </p:ext>
+    </p:extLst>
+  </p:cSld>
+  <p:clrMapOvr>
+    <a:masterClrMapping/>
+  </p:clrMapOvr>
+</p:sld>
+</file>
+
+<file path=ppt/slides/slide4.xml><?xml version="1.0" encoding="utf-8"?>
 <p:sld xmlns:a="http://schemas.openxmlformats.org/drawingml/2006/main" xmlns:r="http://schemas.openxmlformats.org/officeDocument/2006/relationships" xmlns:p="http://schemas.openxmlformats.org/presentationml/2006/main">
   <p:cSld>
     <p:spTree>
